--- a/Imen_KADRI_2_presentation_062022.pptx
+++ b/Imen_KADRI_2_presentation_062022.pptx
@@ -5,10 +5,10 @@
     <p:sldMasterId id="2147483649" r:id="rId1"/>
   </p:sldMasterIdLst>
   <p:notesMasterIdLst>
-    <p:notesMasterId r:id="rId29"/>
+    <p:notesMasterId r:id="rId30"/>
   </p:notesMasterIdLst>
   <p:handoutMasterIdLst>
-    <p:handoutMasterId r:id="rId30"/>
+    <p:handoutMasterId r:id="rId31"/>
   </p:handoutMasterIdLst>
   <p:sldIdLst>
     <p:sldId id="256" r:id="rId2"/>
@@ -36,8 +36,9 @@
     <p:sldId id="592" r:id="rId24"/>
     <p:sldId id="593" r:id="rId25"/>
     <p:sldId id="594" r:id="rId26"/>
-    <p:sldId id="490" r:id="rId27"/>
-    <p:sldId id="412" r:id="rId28"/>
+    <p:sldId id="595" r:id="rId27"/>
+    <p:sldId id="490" r:id="rId28"/>
+    <p:sldId id="412" r:id="rId29"/>
   </p:sldIdLst>
   <p:sldSz cx="9144000" cy="6858000" type="screen4x3"/>
   <p:notesSz cx="6797675" cy="9928225"/>
@@ -1312,7 +1313,7 @@
             <a:fld id="{F2D0FA54-90E1-4109-AD66-269BEB473B60}" type="slidenum">
               <a:rPr lang="en-US" altLang="zh-TW" smtClean="0"/>
               <a:pPr/>
-              <a:t>26</a:t>
+              <a:t>27</a:t>
             </a:fld>
             <a:endParaRPr lang="en-US" altLang="zh-TW"/>
           </a:p>
@@ -17447,15 +17448,7 @@
             </a:r>
             <a:r>
               <a:rPr lang="en-US" sz="1800" b="1" dirty="0" err="1"/>
-              <a:t>Hypothèse</a:t>
-            </a:r>
-            <a:r>
-              <a:rPr lang="en-US" sz="1800" b="1" dirty="0"/>
-              <a:t> </a:t>
-            </a:r>
-            <a:r>
-              <a:rPr lang="en-US" sz="1800" b="1" dirty="0" err="1"/>
-              <a:t>nulle</a:t>
+              <a:t>xxxxxxx</a:t>
             </a:r>
             <a:r>
               <a:rPr lang="en-US" sz="1800" b="1" dirty="0"/>
@@ -17468,23 +17461,11 @@
             </a:pPr>
             <a:r>
               <a:rPr lang="en-US" sz="1800" b="1" dirty="0"/>
-              <a:t>      H</a:t>
-            </a:r>
-            <a:r>
-              <a:rPr lang="en-US" sz="1600" b="1" baseline="-25000" dirty="0"/>
-              <a:t>0</a:t>
-            </a:r>
-            <a:r>
-              <a:rPr lang="en-US" sz="1800" b="1" dirty="0"/>
-              <a:t>:la Moyenne d’un ingredient entre deux categories </a:t>
+              <a:t>      </a:t>
             </a:r>
             <a:r>
               <a:rPr lang="en-US" sz="1800" b="1" dirty="0" err="1"/>
-              <a:t>ou</a:t>
-            </a:r>
-            <a:r>
-              <a:rPr lang="en-US" sz="1800" b="1" dirty="0"/>
-              <a:t> plus (pnss_group2) est la meme</a:t>
+              <a:t>xxxxx</a:t>
             </a:r>
             <a:endParaRPr lang="fr-FR" sz="1800" b="1" dirty="0"/>
           </a:p>
@@ -17840,6 +17821,78 @@
           </a:p>
         </p:txBody>
       </p:sp>
+      <p:pic>
+        <p:nvPicPr>
+          <p:cNvPr id="7" name="Image 6">
+            <a:extLst>
+              <a:ext uri="{FF2B5EF4-FFF2-40B4-BE49-F238E27FC236}">
+                <a16:creationId xmlns:a16="http://schemas.microsoft.com/office/drawing/2014/main" id="{BC714DB2-3D7B-C499-0C1C-1289B8AA5E6D}"/>
+              </a:ext>
+            </a:extLst>
+          </p:cNvPr>
+          <p:cNvPicPr>
+            <a:picLocks noChangeAspect="1"/>
+          </p:cNvPicPr>
+          <p:nvPr/>
+        </p:nvPicPr>
+        <p:blipFill>
+          <a:blip r:embed="rId2">
+            <a:extLst>
+              <a:ext uri="{28A0092B-C50C-407E-A947-70E740481C1C}">
+                <a14:useLocalDpi xmlns:a14="http://schemas.microsoft.com/office/drawing/2010/main" val="0"/>
+              </a:ext>
+            </a:extLst>
+          </a:blip>
+          <a:stretch>
+            <a:fillRect/>
+          </a:stretch>
+        </p:blipFill>
+        <p:spPr>
+          <a:xfrm>
+            <a:off x="479138" y="2995160"/>
+            <a:ext cx="4172532" cy="3248478"/>
+          </a:xfrm>
+          <a:prstGeom prst="rect">
+            <a:avLst/>
+          </a:prstGeom>
+        </p:spPr>
+      </p:pic>
+      <p:pic>
+        <p:nvPicPr>
+          <p:cNvPr id="9" name="Image 8">
+            <a:extLst>
+              <a:ext uri="{FF2B5EF4-FFF2-40B4-BE49-F238E27FC236}">
+                <a16:creationId xmlns:a16="http://schemas.microsoft.com/office/drawing/2014/main" id="{77DA6143-88F1-FE38-6F14-7CBAB42D376C}"/>
+              </a:ext>
+            </a:extLst>
+          </p:cNvPr>
+          <p:cNvPicPr>
+            <a:picLocks noChangeAspect="1"/>
+          </p:cNvPicPr>
+          <p:nvPr/>
+        </p:nvPicPr>
+        <p:blipFill>
+          <a:blip r:embed="rId3">
+            <a:extLst>
+              <a:ext uri="{28A0092B-C50C-407E-A947-70E740481C1C}">
+                <a14:useLocalDpi xmlns:a14="http://schemas.microsoft.com/office/drawing/2010/main" val="0"/>
+              </a:ext>
+            </a:extLst>
+          </a:blip>
+          <a:stretch>
+            <a:fillRect/>
+          </a:stretch>
+        </p:blipFill>
+        <p:spPr>
+          <a:xfrm>
+            <a:off x="4368941" y="1185138"/>
+            <a:ext cx="4420217" cy="3562847"/>
+          </a:xfrm>
+          <a:prstGeom prst="rect">
+            <a:avLst/>
+          </a:prstGeom>
+        </p:spPr>
+      </p:pic>
     </p:spTree>
     <p:extLst>
       <p:ext uri="{BB962C8B-B14F-4D97-AF65-F5344CB8AC3E}">
@@ -17880,6 +17933,615 @@
       </p:grpSpPr>
       <p:sp>
         <p:nvSpPr>
+          <p:cNvPr id="2" name="Titre 1"/>
+          <p:cNvSpPr>
+            <a:spLocks noGrp="1"/>
+          </p:cNvSpPr>
+          <p:nvPr>
+            <p:ph type="title"/>
+          </p:nvPr>
+        </p:nvSpPr>
+        <p:spPr>
+          <a:xfrm>
+            <a:off x="364222" y="239905"/>
+            <a:ext cx="8424936" cy="945233"/>
+          </a:xfrm>
+        </p:spPr>
+        <p:txBody>
+          <a:bodyPr/>
+          <a:lstStyle/>
+          <a:p>
+            <a:r>
+              <a:rPr lang="fr-FR" sz="2600" b="1" dirty="0">
+                <a:latin typeface="+mn-lt"/>
+                <a:ea typeface="新細明體" pitchFamily="18" charset="-120"/>
+              </a:rPr>
+              <a:t>Analyse exploratoire: Analyse multivariée (2)</a:t>
+            </a:r>
+          </a:p>
+        </p:txBody>
+      </p:sp>
+      <p:sp>
+        <p:nvSpPr>
+          <p:cNvPr id="3" name="Espace réservé du contenu 2"/>
+          <p:cNvSpPr>
+            <a:spLocks noGrp="1"/>
+          </p:cNvSpPr>
+          <p:nvPr>
+            <p:ph idx="1"/>
+          </p:nvPr>
+        </p:nvSpPr>
+        <p:spPr>
+          <a:xfrm>
+            <a:off x="479138" y="814400"/>
+            <a:ext cx="8641087" cy="5229200"/>
+          </a:xfrm>
+        </p:spPr>
+        <p:txBody>
+          <a:bodyPr/>
+          <a:lstStyle/>
+          <a:p>
+            <a:pPr algn="just"/>
+            <a:r>
+              <a:rPr lang="fr-FR" sz="1800" b="1" dirty="0"/>
+              <a:t> Mesure de la qualité de projection par le pourcentage d’inertie</a:t>
+            </a:r>
+          </a:p>
+          <a:p>
+            <a:pPr indent="12700" algn="just">
+              <a:buFont typeface="Wingdings" panose="05000000000000000000" pitchFamily="2" charset="2"/>
+              <a:buChar char="Ø"/>
+            </a:pPr>
+            <a:r>
+              <a:rPr lang="en-US" sz="1800" b="1" dirty="0"/>
+              <a:t> </a:t>
+            </a:r>
+            <a:r>
+              <a:rPr lang="en-US" sz="1800" b="1" dirty="0" err="1"/>
+              <a:t>Pourcentage</a:t>
+            </a:r>
+            <a:r>
+              <a:rPr lang="en-US" sz="1800" b="1" dirty="0"/>
+              <a:t> </a:t>
+            </a:r>
+            <a:r>
+              <a:rPr lang="en-US" sz="1800" b="1" dirty="0" err="1"/>
+              <a:t>d’inertie</a:t>
+            </a:r>
+            <a:r>
+              <a:rPr lang="en-US" sz="1800" b="1" dirty="0"/>
+              <a:t>=</a:t>
+            </a:r>
+            <a:r>
+              <a:rPr lang="en-US" sz="1800" b="1" dirty="0" err="1"/>
+              <a:t>pourcentage</a:t>
+            </a:r>
+            <a:r>
+              <a:rPr lang="en-US" sz="1800" b="1" dirty="0"/>
+              <a:t> </a:t>
+            </a:r>
+            <a:r>
+              <a:rPr lang="en-US" sz="1800" b="1" dirty="0" err="1"/>
+              <a:t>d’information</a:t>
+            </a:r>
+            <a:endParaRPr lang="en-US" sz="1800" b="1" dirty="0"/>
+          </a:p>
+          <a:p>
+            <a:pPr indent="12700" algn="just">
+              <a:buFont typeface="Wingdings" panose="05000000000000000000" pitchFamily="2" charset="2"/>
+              <a:buChar char="Ø"/>
+            </a:pPr>
+            <a:r>
+              <a:rPr lang="en-US" sz="1800" b="1" dirty="0"/>
+              <a:t> </a:t>
+            </a:r>
+            <a:r>
+              <a:rPr lang="en-US" sz="1800" b="1" dirty="0" err="1"/>
+              <a:t>Représentation</a:t>
+            </a:r>
+            <a:r>
+              <a:rPr lang="en-US" sz="1800" b="1" dirty="0"/>
+              <a:t> par un </a:t>
+            </a:r>
+            <a:r>
+              <a:rPr lang="en-US" sz="1800" b="1" dirty="0" err="1"/>
+              <a:t>diagramme</a:t>
+            </a:r>
+            <a:r>
+              <a:rPr lang="en-US" sz="1800" b="1" dirty="0"/>
+              <a:t> </a:t>
+            </a:r>
+            <a:r>
+              <a:rPr lang="en-US" sz="1800" b="1" dirty="0" err="1"/>
+              <a:t>en</a:t>
+            </a:r>
+            <a:r>
+              <a:rPr lang="en-US" sz="1800" b="1" dirty="0"/>
+              <a:t> barre</a:t>
+            </a:r>
+          </a:p>
+          <a:p>
+            <a:pPr indent="12700" algn="just">
+              <a:buFont typeface="Wingdings" panose="05000000000000000000" pitchFamily="2" charset="2"/>
+              <a:buChar char="Ø"/>
+            </a:pPr>
+            <a:r>
+              <a:rPr lang="en-US" sz="1800" b="1" dirty="0"/>
+              <a:t> </a:t>
+            </a:r>
+            <a:r>
+              <a:rPr lang="en-US" sz="1800" b="1" dirty="0" err="1"/>
+              <a:t>Interprétation</a:t>
+            </a:r>
+            <a:endParaRPr lang="en-US" sz="1800" b="1" dirty="0"/>
+          </a:p>
+          <a:p>
+            <a:pPr indent="0" algn="just">
+              <a:buNone/>
+            </a:pPr>
+            <a:r>
+              <a:rPr lang="en-US" sz="1800" b="1" dirty="0"/>
+              <a:t>      </a:t>
+            </a:r>
+          </a:p>
+          <a:p>
+            <a:pPr indent="0" algn="just">
+              <a:buNone/>
+            </a:pPr>
+            <a:endParaRPr lang="en-US" sz="1800" b="1" dirty="0"/>
+          </a:p>
+          <a:p>
+            <a:pPr indent="0" algn="just">
+              <a:buNone/>
+            </a:pPr>
+            <a:endParaRPr lang="en-US" sz="1800" b="1" dirty="0"/>
+          </a:p>
+          <a:p>
+            <a:pPr indent="0" algn="just">
+              <a:buNone/>
+            </a:pPr>
+            <a:endParaRPr lang="en-US" sz="1800" b="1" dirty="0"/>
+          </a:p>
+          <a:p>
+            <a:pPr indent="0" algn="just">
+              <a:buNone/>
+            </a:pPr>
+            <a:endParaRPr lang="en-US" sz="1800" b="1" dirty="0"/>
+          </a:p>
+          <a:p>
+            <a:pPr indent="0" algn="just">
+              <a:buNone/>
+            </a:pPr>
+            <a:endParaRPr lang="en-US" sz="1800" b="1" dirty="0"/>
+          </a:p>
+          <a:p>
+            <a:pPr indent="0" algn="just">
+              <a:buNone/>
+            </a:pPr>
+            <a:r>
+              <a:rPr lang="fr-FR" sz="1400" b="1" dirty="0"/>
+              <a:t>          </a:t>
+            </a:r>
+            <a:r>
+              <a:rPr lang="fr-FR" sz="1800" b="1" dirty="0"/>
+              <a:t>     </a:t>
+            </a:r>
+          </a:p>
+          <a:p>
+            <a:pPr algn="just"/>
+            <a:r>
+              <a:rPr lang="fr-FR" sz="1800" b="1" dirty="0"/>
+              <a:t>Exemple:</a:t>
+            </a:r>
+          </a:p>
+          <a:p>
+            <a:pPr indent="12700" algn="just">
+              <a:buFont typeface="Wingdings" panose="05000000000000000000" pitchFamily="2" charset="2"/>
+              <a:buChar char="Ø"/>
+              <a:tabLst>
+                <a:tab pos="450850" algn="l"/>
+                <a:tab pos="627063" algn="l"/>
+              </a:tabLst>
+            </a:pPr>
+            <a:r>
+              <a:rPr lang="fr-FR" sz="1800" b="1" dirty="0"/>
+              <a:t> xxx</a:t>
+            </a:r>
+          </a:p>
+          <a:p>
+            <a:pPr indent="12700" algn="just">
+              <a:buFont typeface="Wingdings" panose="05000000000000000000" pitchFamily="2" charset="2"/>
+              <a:buChar char="Ø"/>
+              <a:tabLst>
+                <a:tab pos="450850" algn="l"/>
+                <a:tab pos="627063" algn="l"/>
+              </a:tabLst>
+            </a:pPr>
+            <a:r>
+              <a:rPr lang="fr-FR" sz="1800" b="1" dirty="0" err="1"/>
+              <a:t>xxxx</a:t>
+            </a:r>
+            <a:r>
+              <a:rPr lang="fr-FR" sz="1800" b="1" dirty="0"/>
+              <a:t> </a:t>
+            </a:r>
+          </a:p>
+          <a:p>
+            <a:pPr marL="177800" indent="-177800" algn="just">
+              <a:buNone/>
+            </a:pPr>
+            <a:r>
+              <a:rPr lang="fr-FR" sz="1800" b="1" dirty="0"/>
+              <a:t>.  </a:t>
+            </a:r>
+          </a:p>
+          <a:p>
+            <a:pPr marL="177800" indent="-177800" algn="just">
+              <a:buNone/>
+            </a:pPr>
+            <a:endParaRPr lang="fr-FR" sz="1800" b="1" dirty="0"/>
+          </a:p>
+          <a:p>
+            <a:pPr marL="177800" indent="-177800" algn="just">
+              <a:buNone/>
+            </a:pPr>
+            <a:endParaRPr lang="fr-FR" sz="1800" b="1" dirty="0"/>
+          </a:p>
+          <a:p>
+            <a:pPr marL="177800" indent="-177800" algn="just">
+              <a:buNone/>
+            </a:pPr>
+            <a:endParaRPr lang="fr-FR" sz="1800" b="1" dirty="0"/>
+          </a:p>
+          <a:p>
+            <a:pPr marL="177800" indent="-177800" algn="just">
+              <a:buNone/>
+            </a:pPr>
+            <a:endParaRPr lang="fr-FR" sz="1800" b="1" dirty="0"/>
+          </a:p>
+          <a:p>
+            <a:pPr algn="just"/>
+            <a:endParaRPr lang="fr-FR" sz="2000" b="1" dirty="0"/>
+          </a:p>
+          <a:p>
+            <a:pPr algn="just"/>
+            <a:endParaRPr lang="fr-FR" sz="2000" b="1" dirty="0"/>
+          </a:p>
+          <a:p>
+            <a:pPr algn="just"/>
+            <a:endParaRPr lang="fr-FR" sz="2000" b="1" dirty="0"/>
+          </a:p>
+          <a:p>
+            <a:pPr algn="just"/>
+            <a:endParaRPr lang="fr-FR" sz="2000" b="1" dirty="0"/>
+          </a:p>
+          <a:p>
+            <a:pPr algn="just"/>
+            <a:endParaRPr lang="fr-FR" sz="1800" b="1" dirty="0"/>
+          </a:p>
+        </p:txBody>
+      </p:sp>
+      <p:sp>
+        <p:nvSpPr>
+          <p:cNvPr id="4" name="Espace réservé du numéro de diapositive 3"/>
+          <p:cNvSpPr>
+            <a:spLocks noGrp="1"/>
+          </p:cNvSpPr>
+          <p:nvPr>
+            <p:ph type="sldNum" sz="quarter" idx="12"/>
+          </p:nvPr>
+        </p:nvSpPr>
+        <p:spPr/>
+        <p:txBody>
+          <a:bodyPr/>
+          <a:lstStyle/>
+          <a:p>
+            <a:pPr>
+              <a:defRPr/>
+            </a:pPr>
+            <a:fld id="{40CCCC09-B4D8-49D1-B465-0920E9642F99}" type="slidenum">
+              <a:rPr lang="en-US" altLang="en-US" smtClean="0"/>
+              <a:pPr>
+                <a:defRPr/>
+              </a:pPr>
+              <a:t>26</a:t>
+            </a:fld>
+            <a:endParaRPr lang="en-US" altLang="en-US"/>
+          </a:p>
+        </p:txBody>
+      </p:sp>
+      <p:sp>
+        <p:nvSpPr>
+          <p:cNvPr id="6" name="Rectangle 2">
+            <a:extLst>
+              <a:ext uri="{FF2B5EF4-FFF2-40B4-BE49-F238E27FC236}">
+                <a16:creationId xmlns:a16="http://schemas.microsoft.com/office/drawing/2014/main" id="{0D052FD9-7974-770A-01BE-B38153965619}"/>
+              </a:ext>
+            </a:extLst>
+          </p:cNvPr>
+          <p:cNvSpPr>
+            <a:spLocks noChangeArrowheads="1"/>
+          </p:cNvSpPr>
+          <p:nvPr/>
+        </p:nvSpPr>
+        <p:spPr bwMode="auto">
+          <a:xfrm>
+            <a:off x="0" y="105489"/>
+            <a:ext cx="245580" cy="246221"/>
+          </a:xfrm>
+          <a:prstGeom prst="rect">
+            <a:avLst/>
+          </a:prstGeom>
+          <a:noFill/>
+          <a:ln>
+            <a:noFill/>
+          </a:ln>
+          <a:effectLst/>
+          <a:extLst>
+            <a:ext uri="{909E8E84-426E-40DD-AFC4-6F175D3DCCD1}">
+              <a14:hiddenFill xmlns:a14="http://schemas.microsoft.com/office/drawing/2010/main">
+                <a:solidFill>
+                  <a:schemeClr val="accent1"/>
+                </a:solidFill>
+              </a14:hiddenFill>
+            </a:ext>
+            <a:ext uri="{91240B29-F687-4F45-9708-019B960494DF}">
+              <a14:hiddenLine xmlns:a14="http://schemas.microsoft.com/office/drawing/2010/main" w="9525">
+                <a:solidFill>
+                  <a:schemeClr val="tx1"/>
+                </a:solidFill>
+                <a:miter lim="800000"/>
+                <a:headEnd/>
+                <a:tailEnd/>
+              </a14:hiddenLine>
+            </a:ext>
+            <a:ext uri="{AF507438-7753-43E0-B8FC-AC1667EBCBE1}">
+              <a14:hiddenEffects xmlns:a14="http://schemas.microsoft.com/office/drawing/2010/main">
+                <a:effectLst>
+                  <a:outerShdw dist="35921" dir="2700000" algn="ctr" rotWithShape="0">
+                    <a:schemeClr val="bg2"/>
+                  </a:outerShdw>
+                </a:effectLst>
+              </a14:hiddenEffects>
+            </a:ext>
+          </a:extLst>
+        </p:spPr>
+        <p:txBody>
+          <a:bodyPr vert="horz" wrap="none" lIns="91440" tIns="45720" rIns="91440" bIns="45720" numCol="1" anchor="ctr" anchorCtr="0" compatLnSpc="1">
+            <a:prstTxWarp prst="textNoShape">
+              <a:avLst/>
+            </a:prstTxWarp>
+            <a:spAutoFit/>
+          </a:bodyPr>
+          <a:lstStyle>
+            <a:lvl1pPr>
+              <a:defRPr>
+                <a:solidFill>
+                  <a:schemeClr val="tx1"/>
+                </a:solidFill>
+                <a:latin typeface="Arial" panose="020B0604020202020204" pitchFamily="34" charset="0"/>
+              </a:defRPr>
+            </a:lvl1pPr>
+            <a:lvl2pPr>
+              <a:defRPr>
+                <a:solidFill>
+                  <a:schemeClr val="tx1"/>
+                </a:solidFill>
+                <a:latin typeface="Arial" panose="020B0604020202020204" pitchFamily="34" charset="0"/>
+              </a:defRPr>
+            </a:lvl2pPr>
+            <a:lvl3pPr>
+              <a:defRPr>
+                <a:solidFill>
+                  <a:schemeClr val="tx1"/>
+                </a:solidFill>
+                <a:latin typeface="Arial" panose="020B0604020202020204" pitchFamily="34" charset="0"/>
+              </a:defRPr>
+            </a:lvl3pPr>
+            <a:lvl4pPr>
+              <a:defRPr>
+                <a:solidFill>
+                  <a:schemeClr val="tx1"/>
+                </a:solidFill>
+                <a:latin typeface="Arial" panose="020B0604020202020204" pitchFamily="34" charset="0"/>
+              </a:defRPr>
+            </a:lvl4pPr>
+            <a:lvl5pPr>
+              <a:defRPr>
+                <a:solidFill>
+                  <a:schemeClr val="tx1"/>
+                </a:solidFill>
+                <a:latin typeface="Arial" panose="020B0604020202020204" pitchFamily="34" charset="0"/>
+              </a:defRPr>
+            </a:lvl5pPr>
+            <a:lvl6pPr eaLnBrk="0" fontAlgn="base" hangingPunct="0">
+              <a:spcBef>
+                <a:spcPct val="0"/>
+              </a:spcBef>
+              <a:spcAft>
+                <a:spcPct val="0"/>
+              </a:spcAft>
+              <a:defRPr>
+                <a:solidFill>
+                  <a:schemeClr val="tx1"/>
+                </a:solidFill>
+                <a:latin typeface="Arial" panose="020B0604020202020204" pitchFamily="34" charset="0"/>
+              </a:defRPr>
+            </a:lvl6pPr>
+            <a:lvl7pPr eaLnBrk="0" fontAlgn="base" hangingPunct="0">
+              <a:spcBef>
+                <a:spcPct val="0"/>
+              </a:spcBef>
+              <a:spcAft>
+                <a:spcPct val="0"/>
+              </a:spcAft>
+              <a:defRPr>
+                <a:solidFill>
+                  <a:schemeClr val="tx1"/>
+                </a:solidFill>
+                <a:latin typeface="Arial" panose="020B0604020202020204" pitchFamily="34" charset="0"/>
+              </a:defRPr>
+            </a:lvl7pPr>
+            <a:lvl8pPr eaLnBrk="0" fontAlgn="base" hangingPunct="0">
+              <a:spcBef>
+                <a:spcPct val="0"/>
+              </a:spcBef>
+              <a:spcAft>
+                <a:spcPct val="0"/>
+              </a:spcAft>
+              <a:defRPr>
+                <a:solidFill>
+                  <a:schemeClr val="tx1"/>
+                </a:solidFill>
+                <a:latin typeface="Arial" panose="020B0604020202020204" pitchFamily="34" charset="0"/>
+              </a:defRPr>
+            </a:lvl8pPr>
+            <a:lvl9pPr eaLnBrk="0" fontAlgn="base" hangingPunct="0">
+              <a:spcBef>
+                <a:spcPct val="0"/>
+              </a:spcBef>
+              <a:spcAft>
+                <a:spcPct val="0"/>
+              </a:spcAft>
+              <a:defRPr>
+                <a:solidFill>
+                  <a:schemeClr val="tx1"/>
+                </a:solidFill>
+                <a:latin typeface="Arial" panose="020B0604020202020204" pitchFamily="34" charset="0"/>
+              </a:defRPr>
+            </a:lvl9pPr>
+          </a:lstStyle>
+          <a:p>
+            <a:pPr marL="0" marR="0" lvl="0" indent="0" algn="l" defTabSz="914400" rtl="0" eaLnBrk="0" fontAlgn="base" latinLnBrk="0" hangingPunct="0">
+              <a:lnSpc>
+                <a:spcPct val="100000"/>
+              </a:lnSpc>
+              <a:spcBef>
+                <a:spcPct val="0"/>
+              </a:spcBef>
+              <a:spcAft>
+                <a:spcPct val="0"/>
+              </a:spcAft>
+              <a:buClrTx/>
+              <a:buSzTx/>
+              <a:buFontTx/>
+              <a:buNone/>
+              <a:tabLst/>
+            </a:pPr>
+            <a:r>
+              <a:rPr kumimoji="0" lang="fr-FR" altLang="fr-FR" sz="1000" b="0" i="0" u="none" strike="noStrike" cap="none" normalizeH="0" baseline="0" dirty="0">
+                <a:ln>
+                  <a:noFill/>
+                </a:ln>
+                <a:solidFill>
+                  <a:schemeClr val="tx1"/>
+                </a:solidFill>
+                <a:effectLst/>
+                <a:latin typeface="Inter"/>
+              </a:rPr>
+              <a:t>.</a:t>
+            </a:r>
+            <a:r>
+              <a:rPr kumimoji="0" lang="fr-FR" altLang="fr-FR" sz="800" b="0" i="0" u="none" strike="noStrike" cap="none" normalizeH="0" baseline="0" dirty="0">
+                <a:ln>
+                  <a:noFill/>
+                </a:ln>
+                <a:solidFill>
+                  <a:schemeClr val="tx1"/>
+                </a:solidFill>
+                <a:effectLst/>
+              </a:rPr>
+              <a:t> </a:t>
+            </a:r>
+            <a:endParaRPr kumimoji="0" lang="fr-FR" altLang="fr-FR" sz="1800" b="0" i="0" u="none" strike="noStrike" cap="none" normalizeH="0" baseline="0" dirty="0">
+              <a:ln>
+                <a:noFill/>
+              </a:ln>
+              <a:solidFill>
+                <a:schemeClr val="tx1"/>
+              </a:solidFill>
+              <a:effectLst/>
+              <a:latin typeface="Arial" panose="020B0604020202020204" pitchFamily="34" charset="0"/>
+            </a:endParaRPr>
+          </a:p>
+        </p:txBody>
+      </p:sp>
+      <p:pic>
+        <p:nvPicPr>
+          <p:cNvPr id="7" name="Image 6">
+            <a:extLst>
+              <a:ext uri="{FF2B5EF4-FFF2-40B4-BE49-F238E27FC236}">
+                <a16:creationId xmlns:a16="http://schemas.microsoft.com/office/drawing/2014/main" id="{2F21DAB0-44C7-BA0B-53B4-92B7D49A8131}"/>
+              </a:ext>
+            </a:extLst>
+          </p:cNvPr>
+          <p:cNvPicPr>
+            <a:picLocks noChangeAspect="1"/>
+          </p:cNvPicPr>
+          <p:nvPr/>
+        </p:nvPicPr>
+        <p:blipFill>
+          <a:blip r:embed="rId2">
+            <a:extLst>
+              <a:ext uri="{28A0092B-C50C-407E-A947-70E740481C1C}">
+                <a14:useLocalDpi xmlns:a14="http://schemas.microsoft.com/office/drawing/2010/main" val="0"/>
+              </a:ext>
+            </a:extLst>
+          </a:blip>
+          <a:stretch>
+            <a:fillRect/>
+          </a:stretch>
+        </p:blipFill>
+        <p:spPr>
+          <a:xfrm>
+            <a:off x="4357346" y="1760187"/>
+            <a:ext cx="4286848" cy="3124636"/>
+          </a:xfrm>
+          <a:prstGeom prst="rect">
+            <a:avLst/>
+          </a:prstGeom>
+        </p:spPr>
+      </p:pic>
+    </p:spTree>
+    <p:extLst>
+      <p:ext uri="{BB962C8B-B14F-4D97-AF65-F5344CB8AC3E}">
+        <p14:creationId xmlns:p14="http://schemas.microsoft.com/office/powerpoint/2010/main" val="2819861872"/>
+      </p:ext>
+    </p:extLst>
+  </p:cSld>
+  <p:clrMapOvr>
+    <a:masterClrMapping/>
+  </p:clrMapOvr>
+  <mc:AlternateContent xmlns:mc="http://schemas.openxmlformats.org/markup-compatibility/2006">
+    <mc:Choice xmlns:p14="http://schemas.microsoft.com/office/powerpoint/2010/main" Requires="p14">
+      <p:transition spd="slow" p14:dur="2000" advTm="50391"/>
+    </mc:Choice>
+    <mc:Fallback>
+      <p:transition spd="slow" advTm="50391"/>
+    </mc:Fallback>
+  </mc:AlternateContent>
+</p:sld>
+</file>
+
+<file path=ppt/slides/slide27.xml><?xml version="1.0" encoding="utf-8"?>
+<p:sld xmlns:a="http://schemas.openxmlformats.org/drawingml/2006/main" xmlns:r="http://schemas.openxmlformats.org/officeDocument/2006/relationships" xmlns:p="http://schemas.openxmlformats.org/presentationml/2006/main">
+  <p:cSld>
+    <p:spTree>
+      <p:nvGrpSpPr>
+        <p:cNvPr id="1" name=""/>
+        <p:cNvGrpSpPr/>
+        <p:nvPr/>
+      </p:nvGrpSpPr>
+      <p:grpSpPr>
+        <a:xfrm>
+          <a:off x="0" y="0"/>
+          <a:ext cx="0" cy="0"/>
+          <a:chOff x="0" y="0"/>
+          <a:chExt cx="0" cy="0"/>
+        </a:xfrm>
+      </p:grpSpPr>
+      <p:sp>
+        <p:nvSpPr>
           <p:cNvPr id="7170" name="Rectangle 2"/>
           <p:cNvSpPr>
             <a:spLocks noGrp="1" noChangeArrowheads="1"/>
@@ -18268,7 +18930,7 @@
               <a:rPr lang="en-US" altLang="en-US">
                 <a:latin typeface="Garamond" panose="02020404030301010803" pitchFamily="18" charset="0"/>
               </a:rPr>
-              <a:t>26</a:t>
+              <a:t>27</a:t>
             </a:fld>
             <a:endParaRPr lang="en-US" altLang="en-US" dirty="0">
               <a:latin typeface="Garamond" panose="02020404030301010803" pitchFamily="18" charset="0"/>
@@ -18297,7 +18959,7 @@
 </p:sld>
 </file>
 
-<file path=ppt/slides/slide27.xml><?xml version="1.0" encoding="utf-8"?>
+<file path=ppt/slides/slide28.xml><?xml version="1.0" encoding="utf-8"?>
 <p:sld xmlns:a="http://schemas.openxmlformats.org/drawingml/2006/main" xmlns:r="http://schemas.openxmlformats.org/officeDocument/2006/relationships" xmlns:p="http://schemas.openxmlformats.org/presentationml/2006/main">
   <p:cSld>
     <p:spTree>
@@ -18630,7 +19292,7 @@
               <a:pPr>
                 <a:defRPr/>
               </a:pPr>
-              <a:t>27</a:t>
+              <a:t>28</a:t>
             </a:fld>
             <a:endParaRPr lang="en-US" altLang="en-US"/>
           </a:p>
